--- a/doc/DXRaft.pptx
+++ b/doc/DXRaft.pptx
@@ -11041,7 +11041,7 @@
           <a:p>
             <a:fld id="{F70190F4-D68A-2F46-81EE-237204C7CDB7}" type="datetimeFigureOut">
               <a:rPr lang="de-DE" smtClean="0"/>
-              <a:t>26.04.2018</a:t>
+              <a:t>03.05.2018</a:t>
             </a:fld>
             <a:endParaRPr lang="de-DE"/>
           </a:p>
@@ -12383,7 +12383,7 @@
           </a:ln>
           <a:extLst>
             <a:ext uri="{FAA26D3D-D897-4be2-8F04-BA451C77F1D7}">
-              <ma14:placeholderFlag xmlns:ma14="http://schemas.microsoft.com/office/mac/drawingml/2011/main" xmlns="" val="1"/>
+              <ma14:placeholderFlag xmlns="" xmlns:ma14="http://schemas.microsoft.com/office/mac/drawingml/2011/main" val="1"/>
             </a:ext>
           </a:extLst>
         </p:spPr>
@@ -12437,7 +12437,7 @@
               </a14:hiddenFill>
             </a:ext>
             <a:ext uri="{FAA26D3D-D897-4be2-8F04-BA451C77F1D7}">
-              <ma14:placeholderFlag xmlns:ma14="http://schemas.microsoft.com/office/mac/drawingml/2011/main" xmlns="" val="1"/>
+              <ma14:placeholderFlag xmlns="" xmlns:ma14="http://schemas.microsoft.com/office/mac/drawingml/2011/main" val="1"/>
             </a:ext>
           </a:extLst>
         </p:spPr>
@@ -13181,7 +13181,7 @@
           </a:ln>
           <a:extLst>
             <a:ext uri="{FAA26D3D-D897-4be2-8F04-BA451C77F1D7}">
-              <ma14:placeholderFlag xmlns:ma14="http://schemas.microsoft.com/office/mac/drawingml/2011/main" xmlns="" val="1"/>
+              <ma14:placeholderFlag xmlns="" xmlns:ma14="http://schemas.microsoft.com/office/mac/drawingml/2011/main" val="1"/>
             </a:ext>
           </a:extLst>
         </p:spPr>
@@ -13242,7 +13242,7 @@
               </a14:hiddenLine>
             </a:ext>
             <a:ext uri="{FAA26D3D-D897-4be2-8F04-BA451C77F1D7}">
-              <ma14:placeholderFlag xmlns:ma14="http://schemas.microsoft.com/office/mac/drawingml/2011/main" xmlns="" val="1"/>
+              <ma14:placeholderFlag xmlns="" xmlns:ma14="http://schemas.microsoft.com/office/mac/drawingml/2011/main" val="1"/>
             </a:ext>
           </a:extLst>
         </p:spPr>
@@ -14217,15 +14217,12 @@
           </a:p>
           <a:p>
             <a:r>
-              <a:rPr lang="de-DE" dirty="0"/>
-              <a:t>https://github.com/Nils1337/dxraft</a:t>
-            </a:r>
-            <a:endParaRPr lang="de-DE" dirty="0" smtClean="0"/>
-          </a:p>
-          <a:p>
+              <a:rPr lang="de-DE" smtClean="0"/>
+              <a:t>Bisher </a:t>
+            </a:r>
             <a:r>
               <a:rPr lang="de-DE" dirty="0" smtClean="0"/>
-              <a:t>Bisher implementiert: </a:t>
+              <a:t>implementiert: </a:t>
             </a:r>
           </a:p>
           <a:p>
